--- a/presentation/B421044/B421044.pptx
+++ b/presentation/B421044/B421044.pptx
@@ -263,7 +263,7 @@
           <a:p>
             <a:fld id="{1D8BD707-D9CF-40AE-B4C6-C98DA3205C09}" type="datetimeFigureOut">
               <a:rPr lang="en-US"/>
-              <a:t>8/29/2024</a:t>
+              <a:t>9/24/2024</a:t>
             </a:fld>
             <a:endParaRPr lang="en-US"/>
           </a:p>
@@ -434,7 +434,7 @@
           <a:p>
             <a:fld id="{1D8BD707-D9CF-40AE-B4C6-C98DA3205C09}" type="datetimeFigureOut">
               <a:rPr lang="en-US"/>
-              <a:t>8/29/2024</a:t>
+              <a:t>9/24/2024</a:t>
             </a:fld>
             <a:endParaRPr lang="en-US"/>
           </a:p>
@@ -648,7 +648,7 @@
           <a:p>
             <a:fld id="{1D8BD707-D9CF-40AE-B4C6-C98DA3205C09}" type="datetimeFigureOut">
               <a:rPr lang="en-US"/>
-              <a:t>8/29/2024</a:t>
+              <a:t>9/24/2024</a:t>
             </a:fld>
             <a:endParaRPr lang="en-US"/>
           </a:p>
@@ -796,7 +796,7 @@
           <a:p>
             <a:fld id="{1D8BD707-D9CF-40AE-B4C6-C98DA3205C09}" type="datetimeFigureOut">
               <a:rPr lang="en-US"/>
-              <a:t>8/29/2024</a:t>
+              <a:t>9/24/2024</a:t>
             </a:fld>
             <a:endParaRPr lang="en-US"/>
           </a:p>
@@ -915,7 +915,7 @@
           <a:p>
             <a:fld id="{1D8BD707-D9CF-40AE-B4C6-C98DA3205C09}" type="datetimeFigureOut">
               <a:rPr lang="en-US"/>
-              <a:t>8/29/2024</a:t>
+              <a:t>9/24/2024</a:t>
             </a:fld>
             <a:endParaRPr lang="en-US"/>
           </a:p>
@@ -1134,7 +1134,7 @@
           <a:p>
             <a:fld id="{1D8BD707-D9CF-40AE-B4C6-C98DA3205C09}" type="datetimeFigureOut">
               <a:rPr lang="en-US"/>
-              <a:t>8/29/2024</a:t>
+              <a:t>9/24/2024</a:t>
             </a:fld>
             <a:endParaRPr lang="en-US"/>
           </a:p>
@@ -1575,7 +1575,7 @@
         <p:spPr>
           <a:xfrm>
             <a:off x="76200" y="971550"/>
-            <a:ext cx="2628900" cy="2031325"/>
+            <a:ext cx="4419600" cy="2246769"/>
           </a:xfrm>
           <a:prstGeom prst="rect">
             <a:avLst/>
@@ -1589,15 +1589,30 @@
           <a:lstStyle/>
           <a:p>
             <a:r>
-              <a:rPr lang="en-US" sz="1400" b="1" dirty="0">
+              <a:rPr kumimoji="0" lang="en-US" altLang="en-US" sz="1400" b="1" i="0" u="none" strike="noStrike" cap="none" normalizeH="0" baseline="0" dirty="0">
+                <a:ln>
+                  <a:noFill/>
+                </a:ln>
                 <a:solidFill>
                   <a:srgbClr val="00B050"/>
                 </a:solidFill>
-                <a:latin typeface="Arial" panose="020B0604020202020204" pitchFamily="34" charset="0"/>
-                <a:cs typeface="Arial" panose="020B0604020202020204" pitchFamily="34" charset="0"/>
-              </a:rPr>
-              <a:t>The project aim is to use AI-driven computer vision to detect and suggest ways to reduce carbon emissions, particularly through optimization of traffic flow and reducing vehicle congestion to tackle the problem of climate change.</a:t>
-            </a:r>
+                <a:effectLst/>
+                <a:latin typeface="Google Sans"/>
+              </a:rPr>
+              <a:t>"Filter-Guided Diffusion for Controllable Image Generation" addresses the issue of generating high-quality images while maintaining control over specific attributes. The authors propose a novel diffusion model that incorporates learned filters to guide the generation process, allowing for precise manipulation of desired features. This approach improves the controllability and quality of generated images compared to existing methods.</a:t>
+            </a:r>
+            <a:endParaRPr kumimoji="0" lang="en-US" altLang="en-US" sz="2000" b="1" i="0" u="none" strike="noStrike" cap="none" normalizeH="0" baseline="0" dirty="0">
+              <a:ln>
+                <a:noFill/>
+              </a:ln>
+              <a:solidFill>
+                <a:srgbClr val="00B050"/>
+              </a:solidFill>
+              <a:effectLst/>
+              <a:latin typeface="Arial" panose="020B0604020202020204" pitchFamily="34" charset="0"/>
+            </a:endParaRPr>
+          </a:p>
+          <a:p>
             <a:endParaRPr lang="en-IN" sz="1400" b="1" dirty="0">
               <a:solidFill>
                 <a:srgbClr val="00B050"/>
@@ -1623,7 +1638,7 @@
         <p:spPr>
           <a:xfrm>
             <a:off x="1931670" y="133350"/>
-            <a:ext cx="4507230" cy="381000"/>
+            <a:ext cx="4507230" cy="646331"/>
           </a:xfrm>
           <a:prstGeom prst="rect">
             <a:avLst/>
@@ -1638,33 +1653,85 @@
           <a:p>
             <a:pPr algn="ctr"/>
             <a:r>
-              <a:rPr lang="en-US" b="1" dirty="0">
-                <a:solidFill>
-                  <a:schemeClr val="accent2"/>
+              <a:rPr lang="en-IN" b="1" dirty="0">
+                <a:solidFill>
+                  <a:srgbClr val="FF0000"/>
                 </a:solidFill>
                 <a:highlight>
                   <a:srgbClr val="FFFF00"/>
                 </a:highlight>
               </a:rPr>
-              <a:t>AI-Driven Exploration of climate change</a:t>
-            </a:r>
-            <a:endParaRPr lang="en-IN" b="1" dirty="0">
+              <a:t>Filter-Guided Diffusion for Controllable Image Generation</a:t>
+            </a:r>
+          </a:p>
+        </p:txBody>
+      </p:sp>
+      <p:sp>
+        <p:nvSpPr>
+          <p:cNvPr id="10" name="TextBox 9">
+            <a:extLst>
+              <a:ext uri="{FF2B5EF4-FFF2-40B4-BE49-F238E27FC236}">
+                <a16:creationId xmlns:a16="http://schemas.microsoft.com/office/drawing/2014/main" id="{8863741B-887F-70CF-3AFA-FBDFE436D1EA}"/>
+              </a:ext>
+            </a:extLst>
+          </p:cNvPr>
+          <p:cNvSpPr txBox="1"/>
+          <p:nvPr/>
+        </p:nvSpPr>
+        <p:spPr>
+          <a:xfrm>
+            <a:off x="4724400" y="1047750"/>
+            <a:ext cx="3810000" cy="2031325"/>
+          </a:xfrm>
+          <a:prstGeom prst="rect">
+            <a:avLst/>
+          </a:prstGeom>
+          <a:noFill/>
+        </p:spPr>
+        <p:txBody>
+          <a:bodyPr wrap="square" rtlCol="0">
+            <a:spAutoFit/>
+          </a:bodyPr>
+          <a:lstStyle/>
+          <a:p>
+            <a:r>
+              <a:rPr lang="en-US" sz="1400" b="1" dirty="0">
+                <a:solidFill>
+                  <a:srgbClr val="00B050"/>
+                </a:solidFill>
+              </a:rPr>
+              <a:t>Earlier research in </a:t>
+            </a:r>
+            <a:r>
+              <a:rPr lang="en-IN" sz="1400" b="1" dirty="0">
+                <a:solidFill>
+                  <a:srgbClr val="00B050"/>
+                </a:solidFill>
+              </a:rPr>
+              <a:t>Filter-Guided Diffusion for Controllable Image Generation </a:t>
+            </a:r>
+            <a:r>
+              <a:rPr lang="en-US" sz="1400" b="1" dirty="0">
+                <a:solidFill>
+                  <a:srgbClr val="00B050"/>
+                </a:solidFill>
+              </a:rPr>
+              <a:t>uses a filter to guide the diffusion process, allowing users to specify desired features in the output image. The filter is learned from a small set of reference images, and it is used to modulate the diffusion process at each step. This approach enables the generation of images with precise control over their content and style.</a:t>
+            </a:r>
+            <a:endParaRPr lang="en-IN" sz="1400" b="1" dirty="0">
               <a:solidFill>
-                <a:schemeClr val="accent2"/>
+                <a:srgbClr val="00B050"/>
               </a:solidFill>
-              <a:highlight>
-                <a:srgbClr val="FFFF00"/>
-              </a:highlight>
             </a:endParaRPr>
           </a:p>
         </p:txBody>
       </p:sp>
       <p:pic>
         <p:nvPicPr>
-          <p:cNvPr id="8" name="Picture 7">
+          <p:cNvPr id="11" name="Picture 10">
             <a:extLst>
               <a:ext uri="{FF2B5EF4-FFF2-40B4-BE49-F238E27FC236}">
-                <a16:creationId xmlns:a16="http://schemas.microsoft.com/office/drawing/2014/main" id="{F8487C8D-FA5C-64B7-4725-C00CA87F59CF}"/>
+                <a16:creationId xmlns:a16="http://schemas.microsoft.com/office/drawing/2014/main" id="{00313E04-603A-1ABB-71E2-D4774484DEFC}"/>
               </a:ext>
             </a:extLst>
           </p:cNvPr>
@@ -1681,64 +1748,20 @@
         </p:blipFill>
         <p:spPr>
           <a:xfrm>
-            <a:off x="76200" y="2959067"/>
-            <a:ext cx="3663101" cy="1893282"/>
+            <a:off x="609600" y="2957303"/>
+            <a:ext cx="3118250" cy="1895045"/>
           </a:xfrm>
           <a:prstGeom prst="rect">
             <a:avLst/>
           </a:prstGeom>
         </p:spPr>
       </p:pic>
-      <p:sp>
-        <p:nvSpPr>
-          <p:cNvPr id="10" name="TextBox 9">
+      <p:pic>
+        <p:nvPicPr>
+          <p:cNvPr id="14" name="Picture 13">
             <a:extLst>
               <a:ext uri="{FF2B5EF4-FFF2-40B4-BE49-F238E27FC236}">
-                <a16:creationId xmlns:a16="http://schemas.microsoft.com/office/drawing/2014/main" id="{8863741B-887F-70CF-3AFA-FBDFE436D1EA}"/>
-              </a:ext>
-            </a:extLst>
-          </p:cNvPr>
-          <p:cNvSpPr txBox="1"/>
-          <p:nvPr/>
-        </p:nvSpPr>
-        <p:spPr>
-          <a:xfrm>
-            <a:off x="4724400" y="1047750"/>
-            <a:ext cx="3810000" cy="2246769"/>
-          </a:xfrm>
-          <a:prstGeom prst="rect">
-            <a:avLst/>
-          </a:prstGeom>
-          <a:noFill/>
-        </p:spPr>
-        <p:txBody>
-          <a:bodyPr wrap="square" rtlCol="0">
-            <a:spAutoFit/>
-          </a:bodyPr>
-          <a:lstStyle/>
-          <a:p>
-            <a:r>
-              <a:rPr lang="en-US" sz="1400" b="1" dirty="0">
-                <a:solidFill>
-                  <a:srgbClr val="00B050"/>
-                </a:solidFill>
-              </a:rPr>
-              <a:t>Earlier research in AI-Driven Exploration of climate change in carbon emission footprint focused on the idea that AI language models can be more efficient than humans in creative tasks like writing and image generation, resulting in a significantly lower carbon footprint. This is because training large language models can be very energy-intensive. However, smaller AI models can be used for simpler tasks and can be more energy-efficient.</a:t>
-            </a:r>
-            <a:endParaRPr lang="en-IN" sz="1400" b="1" dirty="0">
-              <a:solidFill>
-                <a:srgbClr val="00B050"/>
-              </a:solidFill>
-            </a:endParaRPr>
-          </a:p>
-        </p:txBody>
-      </p:sp>
-      <p:pic>
-        <p:nvPicPr>
-          <p:cNvPr id="12" name="Picture 11">
-            <a:extLst>
-              <a:ext uri="{FF2B5EF4-FFF2-40B4-BE49-F238E27FC236}">
-                <a16:creationId xmlns:a16="http://schemas.microsoft.com/office/drawing/2014/main" id="{0785CF94-B1F6-4CDB-7DD9-4128CF268437}"/>
+                <a16:creationId xmlns:a16="http://schemas.microsoft.com/office/drawing/2014/main" id="{4462BC53-6C4C-5B4E-DBE3-3A5E51815731}"/>
               </a:ext>
             </a:extLst>
           </p:cNvPr>
@@ -1755,8 +1778,8 @@
         </p:blipFill>
         <p:spPr>
           <a:xfrm>
-            <a:off x="4724400" y="3294519"/>
-            <a:ext cx="3962400" cy="1298302"/>
+            <a:off x="5029199" y="3048112"/>
+            <a:ext cx="2968825" cy="1804235"/>
           </a:xfrm>
           <a:prstGeom prst="rect">
             <a:avLst/>
@@ -1934,8 +1957,8 @@
         </p:nvSpPr>
         <p:spPr>
           <a:xfrm>
-            <a:off x="76200" y="438150"/>
-            <a:ext cx="4495800" cy="3924151"/>
+            <a:off x="10632" y="317818"/>
+            <a:ext cx="4789968" cy="5058308"/>
           </a:xfrm>
           <a:prstGeom prst="rect">
             <a:avLst/>
@@ -1948,255 +1971,415 @@
           </a:bodyPr>
           <a:lstStyle/>
           <a:p>
-            <a:pPr marL="228600" indent="-228600">
-              <a:buFont typeface="+mj-lt"/>
-              <a:buAutoNum type="arabicPeriod"/>
+            <a:pPr>
+              <a:lnSpc>
+                <a:spcPct val="107000"/>
+              </a:lnSpc>
+              <a:spcAft>
+                <a:spcPts val="800"/>
+              </a:spcAft>
             </a:pPr>
             <a:r>
-              <a:rPr lang="en-US" sz="1100" b="1" dirty="0">
-                <a:solidFill>
-                  <a:schemeClr val="accent2"/>
-                </a:solidFill>
-              </a:rPr>
-              <a:t>Data Quality and Availability:</a:t>
-            </a:r>
+              <a:rPr lang="en-IN" sz="1000" b="1" kern="100" dirty="0">
+                <a:solidFill>
+                  <a:srgbClr val="FF0000"/>
+                </a:solidFill>
+                <a:effectLst/>
+                <a:latin typeface="Calibri" panose="020F0502020204030204" pitchFamily="34" charset="0"/>
+                <a:ea typeface="Calibri" panose="020F0502020204030204" pitchFamily="34" charset="0"/>
+                <a:cs typeface="Times New Roman" panose="02020603050405020304" pitchFamily="18" charset="0"/>
+              </a:rPr>
+              <a:t>1. Fine-Grained Control:</a:t>
+            </a:r>
+            <a:endParaRPr lang="en-IN" sz="1000" kern="100" dirty="0">
+              <a:solidFill>
+                <a:srgbClr val="FF0000"/>
+              </a:solidFill>
+              <a:effectLst/>
+              <a:latin typeface="Calibri" panose="020F0502020204030204" pitchFamily="34" charset="0"/>
+              <a:ea typeface="Calibri" panose="020F0502020204030204" pitchFamily="34" charset="0"/>
+              <a:cs typeface="Times New Roman" panose="02020603050405020304" pitchFamily="18" charset="0"/>
+            </a:endParaRPr>
           </a:p>
           <a:p>
             <a:pPr marL="171450" indent="-171450">
+              <a:lnSpc>
+                <a:spcPct val="107000"/>
+              </a:lnSpc>
+              <a:spcAft>
+                <a:spcPts val="800"/>
+              </a:spcAft>
               <a:buFont typeface="Arial" panose="020B0604020202020204" pitchFamily="34" charset="0"/>
               <a:buChar char="•"/>
             </a:pPr>
             <a:r>
-              <a:rPr lang="en-US" sz="1100" dirty="0"/>
-              <a:t>   </a:t>
-            </a:r>
-            <a:r>
-              <a:rPr lang="en-US" sz="1100" u="sng" dirty="0">
-                <a:solidFill>
-                  <a:srgbClr val="00B050"/>
-                </a:solidFill>
-              </a:rPr>
-              <a:t>Insufficient Data</a:t>
-            </a:r>
-            <a:r>
-              <a:rPr lang="en-US" sz="1100" dirty="0">
-                <a:solidFill>
-                  <a:srgbClr val="00B050"/>
-                </a:solidFill>
-              </a:rPr>
-              <a:t>: Many regions lack sufficient high-quality data for  training AI models.</a:t>
+              <a:rPr lang="en-IN" sz="1000" b="1" kern="100" dirty="0">
+                <a:solidFill>
+                  <a:srgbClr val="7030A0"/>
+                </a:solidFill>
+                <a:effectLst/>
+                <a:latin typeface="Calibri" panose="020F0502020204030204" pitchFamily="34" charset="0"/>
+                <a:ea typeface="Calibri" panose="020F0502020204030204" pitchFamily="34" charset="0"/>
+                <a:cs typeface="Times New Roman" panose="02020603050405020304" pitchFamily="18" charset="0"/>
+              </a:rPr>
+              <a:t>Precise Attribute Manipulation:</a:t>
+            </a:r>
+            <a:r>
+              <a:rPr lang="en-IN" sz="1000" kern="100" dirty="0">
+                <a:solidFill>
+                  <a:srgbClr val="7030A0"/>
+                </a:solidFill>
+                <a:effectLst/>
+                <a:latin typeface="Calibri" panose="020F0502020204030204" pitchFamily="34" charset="0"/>
+                <a:ea typeface="Calibri" panose="020F0502020204030204" pitchFamily="34" charset="0"/>
+                <a:cs typeface="Times New Roman" panose="02020603050405020304" pitchFamily="18" charset="0"/>
+              </a:rPr>
+              <a:t> While these models can control certain high-level attributes, achieving precise control over finer-grained details like object poses, textures, or lighting conditions remains challenging.</a:t>
             </a:r>
           </a:p>
           <a:p>
             <a:pPr marL="171450" indent="-171450">
+              <a:lnSpc>
+                <a:spcPct val="107000"/>
+              </a:lnSpc>
+              <a:spcAft>
+                <a:spcPts val="800"/>
+              </a:spcAft>
               <a:buFont typeface="Arial" panose="020B0604020202020204" pitchFamily="34" charset="0"/>
               <a:buChar char="•"/>
             </a:pPr>
             <a:r>
-              <a:rPr lang="en-US" sz="1100" dirty="0">
-                <a:solidFill>
-                  <a:srgbClr val="00B050"/>
-                </a:solidFill>
-              </a:rPr>
-              <a:t>   </a:t>
-            </a:r>
-            <a:r>
-              <a:rPr lang="en-US" sz="1100" u="sng" dirty="0">
-                <a:solidFill>
-                  <a:srgbClr val="00B050"/>
-                </a:solidFill>
-              </a:rPr>
-              <a:t>Data Bias</a:t>
-            </a:r>
-            <a:r>
-              <a:rPr lang="en-US" sz="1100" dirty="0">
-                <a:solidFill>
-                  <a:srgbClr val="00B050"/>
-                </a:solidFill>
-              </a:rPr>
-              <a:t>: Bias in training data can lead to biased and inaccurate predictions.</a:t>
-            </a:r>
-          </a:p>
-          <a:p>
-            <a:pPr marL="228600" indent="-228600">
-              <a:buFont typeface="+mj-lt"/>
-              <a:buAutoNum type="arabicPeriod"/>
+              <a:rPr lang="en-IN" sz="1000" b="1" kern="100" dirty="0">
+                <a:solidFill>
+                  <a:srgbClr val="7030A0"/>
+                </a:solidFill>
+                <a:effectLst/>
+                <a:latin typeface="Calibri" panose="020F0502020204030204" pitchFamily="34" charset="0"/>
+                <a:ea typeface="Calibri" panose="020F0502020204030204" pitchFamily="34" charset="0"/>
+                <a:cs typeface="Times New Roman" panose="02020603050405020304" pitchFamily="18" charset="0"/>
+              </a:rPr>
+              <a:t>Consistent Control:</a:t>
+            </a:r>
+            <a:r>
+              <a:rPr lang="en-IN" sz="1000" kern="100" dirty="0">
+                <a:solidFill>
+                  <a:srgbClr val="7030A0"/>
+                </a:solidFill>
+                <a:effectLst/>
+                <a:latin typeface="Calibri" panose="020F0502020204030204" pitchFamily="34" charset="0"/>
+                <a:ea typeface="Calibri" panose="020F0502020204030204" pitchFamily="34" charset="0"/>
+                <a:cs typeface="Times New Roman" panose="02020603050405020304" pitchFamily="18" charset="0"/>
+              </a:rPr>
+              <a:t> Ensuring that the desired changes are applied consistently across different parts of the image or across multiple generations is often difficult.</a:t>
+            </a:r>
+          </a:p>
+          <a:p>
+            <a:pPr>
+              <a:lnSpc>
+                <a:spcPct val="107000"/>
+              </a:lnSpc>
+              <a:spcAft>
+                <a:spcPts val="800"/>
+              </a:spcAft>
             </a:pPr>
-            <a:endParaRPr lang="en-US" sz="1100" dirty="0"/>
-          </a:p>
-          <a:p>
-            <a:r>
-              <a:rPr lang="en-US" sz="1100" b="1" dirty="0"/>
-              <a:t>2.    </a:t>
-            </a:r>
-            <a:r>
-              <a:rPr lang="en-US" sz="1100" b="1" dirty="0">
-                <a:solidFill>
-                  <a:srgbClr val="C00000"/>
-                </a:solidFill>
-              </a:rPr>
-              <a:t>Computational Complexity:</a:t>
-            </a:r>
-          </a:p>
-          <a:p>
-            <a:pPr marL="228600" indent="-228600">
+            <a:r>
+              <a:rPr lang="en-IN" sz="1000" b="1" kern="100" dirty="0">
+                <a:solidFill>
+                  <a:srgbClr val="FF0000"/>
+                </a:solidFill>
+                <a:effectLst/>
+                <a:latin typeface="Calibri" panose="020F0502020204030204" pitchFamily="34" charset="0"/>
+                <a:ea typeface="Calibri" panose="020F0502020204030204" pitchFamily="34" charset="0"/>
+                <a:cs typeface="Times New Roman" panose="02020603050405020304" pitchFamily="18" charset="0"/>
+              </a:rPr>
+              <a:t>2. Generalization:</a:t>
+            </a:r>
+            <a:endParaRPr lang="en-IN" sz="1000" kern="100" dirty="0">
+              <a:solidFill>
+                <a:srgbClr val="FF0000"/>
+              </a:solidFill>
+              <a:effectLst/>
+              <a:latin typeface="Calibri" panose="020F0502020204030204" pitchFamily="34" charset="0"/>
+              <a:ea typeface="Calibri" panose="020F0502020204030204" pitchFamily="34" charset="0"/>
+              <a:cs typeface="Times New Roman" panose="02020603050405020304" pitchFamily="18" charset="0"/>
+            </a:endParaRPr>
+          </a:p>
+          <a:p>
+            <a:pPr marL="171450" indent="-171450">
+              <a:lnSpc>
+                <a:spcPct val="107000"/>
+              </a:lnSpc>
+              <a:spcAft>
+                <a:spcPts val="800"/>
+              </a:spcAft>
               <a:buFont typeface="Arial" panose="020B0604020202020204" pitchFamily="34" charset="0"/>
               <a:buChar char="•"/>
             </a:pPr>
             <a:r>
-              <a:rPr lang="en-US" sz="1100" u="sng" dirty="0">
-                <a:solidFill>
-                  <a:srgbClr val="00B050"/>
-                </a:solidFill>
-              </a:rPr>
-              <a:t>Resource-Intensive</a:t>
-            </a:r>
-            <a:r>
-              <a:rPr lang="en-US" sz="1100" dirty="0">
-                <a:solidFill>
-                  <a:srgbClr val="00B050"/>
-                </a:solidFill>
-              </a:rPr>
-              <a:t>: Large-scale AI models require significant computational resources, which can be environmentally costly.</a:t>
-            </a:r>
-          </a:p>
-          <a:p>
-            <a:pPr marL="228600" indent="-228600">
-              <a:buFont typeface="+mj-lt"/>
-              <a:buAutoNum type="arabicPeriod"/>
-            </a:pPr>
-            <a:endParaRPr lang="en-US" sz="1100" dirty="0">
-              <a:solidFill>
-                <a:srgbClr val="00B050"/>
-              </a:solidFill>
-            </a:endParaRPr>
-          </a:p>
-          <a:p>
-            <a:r>
-              <a:rPr lang="en-US" sz="1100" b="1" dirty="0"/>
-              <a:t>3</a:t>
-            </a:r>
-            <a:r>
-              <a:rPr lang="en-US" sz="1100" b="1" dirty="0">
-                <a:solidFill>
-                  <a:srgbClr val="C00000"/>
-                </a:solidFill>
-              </a:rPr>
-              <a:t>.    Model Interpretability:</a:t>
-            </a:r>
-          </a:p>
-          <a:p>
-            <a:pPr marL="228600" indent="-228600">
+              <a:rPr lang="en-IN" sz="1000" b="1" kern="100" dirty="0">
+                <a:solidFill>
+                  <a:srgbClr val="7030A0"/>
+                </a:solidFill>
+                <a:effectLst/>
+                <a:latin typeface="Calibri" panose="020F0502020204030204" pitchFamily="34" charset="0"/>
+                <a:ea typeface="Calibri" panose="020F0502020204030204" pitchFamily="34" charset="0"/>
+                <a:cs typeface="Times New Roman" panose="02020603050405020304" pitchFamily="18" charset="0"/>
+              </a:rPr>
+              <a:t>New Attributes:</a:t>
+            </a:r>
+            <a:r>
+              <a:rPr lang="en-IN" sz="1000" kern="100" dirty="0">
+                <a:solidFill>
+                  <a:srgbClr val="7030A0"/>
+                </a:solidFill>
+                <a:effectLst/>
+                <a:latin typeface="Calibri" panose="020F0502020204030204" pitchFamily="34" charset="0"/>
+                <a:ea typeface="Calibri" panose="020F0502020204030204" pitchFamily="34" charset="0"/>
+                <a:cs typeface="Times New Roman" panose="02020603050405020304" pitchFamily="18" charset="0"/>
+              </a:rPr>
+              <a:t> Extending the model's ability to control attributes that were not encountered during training can be problematic.</a:t>
+            </a:r>
+          </a:p>
+          <a:p>
+            <a:pPr marL="171450" indent="-171450">
+              <a:lnSpc>
+                <a:spcPct val="107000"/>
+              </a:lnSpc>
+              <a:spcAft>
+                <a:spcPts val="800"/>
+              </a:spcAft>
               <a:buFont typeface="Arial" panose="020B0604020202020204" pitchFamily="34" charset="0"/>
               <a:buChar char="•"/>
             </a:pPr>
             <a:r>
-              <a:rPr lang="en-US" sz="1100" u="sng" dirty="0">
-                <a:solidFill>
-                  <a:srgbClr val="00B050"/>
-                </a:solidFill>
-              </a:rPr>
-              <a:t>Black Box Problem</a:t>
-            </a:r>
-            <a:r>
-              <a:rPr lang="en-US" sz="1100" dirty="0">
-                <a:solidFill>
-                  <a:srgbClr val="00B050"/>
-                </a:solidFill>
-              </a:rPr>
-              <a:t>: Understanding how AI models reach their conclusions is crucial for decision-making, but it can be challenging.</a:t>
-            </a:r>
-          </a:p>
-          <a:p>
-            <a:pPr marL="228600" indent="-228600">
-              <a:buFont typeface="+mj-lt"/>
-              <a:buAutoNum type="arabicPeriod"/>
+              <a:rPr lang="en-IN" sz="1000" b="1" kern="100" dirty="0">
+                <a:solidFill>
+                  <a:srgbClr val="7030A0"/>
+                </a:solidFill>
+                <a:effectLst/>
+                <a:latin typeface="Calibri" panose="020F0502020204030204" pitchFamily="34" charset="0"/>
+                <a:ea typeface="Calibri" panose="020F0502020204030204" pitchFamily="34" charset="0"/>
+                <a:cs typeface="Times New Roman" panose="02020603050405020304" pitchFamily="18" charset="0"/>
+              </a:rPr>
+              <a:t>Domain Shifts:</a:t>
+            </a:r>
+            <a:r>
+              <a:rPr lang="en-IN" sz="1000" kern="100" dirty="0">
+                <a:solidFill>
+                  <a:srgbClr val="7030A0"/>
+                </a:solidFill>
+                <a:effectLst/>
+                <a:latin typeface="Calibri" panose="020F0502020204030204" pitchFamily="34" charset="0"/>
+                <a:ea typeface="Calibri" panose="020F0502020204030204" pitchFamily="34" charset="0"/>
+                <a:cs typeface="Times New Roman" panose="02020603050405020304" pitchFamily="18" charset="0"/>
+              </a:rPr>
+              <a:t> Adapting the model to new domains or styles without retraining on a large amount of data is a significant challenge.</a:t>
+            </a:r>
+          </a:p>
+          <a:p>
+            <a:pPr>
+              <a:lnSpc>
+                <a:spcPct val="107000"/>
+              </a:lnSpc>
+              <a:spcAft>
+                <a:spcPts val="800"/>
+              </a:spcAft>
             </a:pPr>
-            <a:endParaRPr lang="en-US" sz="1100" dirty="0">
+            <a:r>
+              <a:rPr lang="en-IN" sz="1000" b="1" kern="100" dirty="0">
+                <a:solidFill>
+                  <a:srgbClr val="FF0000"/>
+                </a:solidFill>
+                <a:effectLst/>
+                <a:latin typeface="Calibri" panose="020F0502020204030204" pitchFamily="34" charset="0"/>
+                <a:ea typeface="Calibri" panose="020F0502020204030204" pitchFamily="34" charset="0"/>
+                <a:cs typeface="Times New Roman" panose="02020603050405020304" pitchFamily="18" charset="0"/>
+              </a:rPr>
+              <a:t>3. Efficiency:</a:t>
+            </a:r>
+            <a:endParaRPr lang="en-IN" sz="1000" kern="100" dirty="0">
               <a:solidFill>
-                <a:srgbClr val="00B050"/>
+                <a:srgbClr val="FF0000"/>
               </a:solidFill>
+              <a:effectLst/>
+              <a:latin typeface="Calibri" panose="020F0502020204030204" pitchFamily="34" charset="0"/>
+              <a:ea typeface="Calibri" panose="020F0502020204030204" pitchFamily="34" charset="0"/>
+              <a:cs typeface="Times New Roman" panose="02020603050405020304" pitchFamily="18" charset="0"/>
             </a:endParaRPr>
           </a:p>
           <a:p>
-            <a:r>
-              <a:rPr lang="en-US" sz="1100" b="1" dirty="0"/>
-              <a:t>4</a:t>
-            </a:r>
-            <a:r>
-              <a:rPr lang="en-US" sz="1100" b="1" dirty="0">
-                <a:solidFill>
-                  <a:srgbClr val="C00000"/>
-                </a:solidFill>
-              </a:rPr>
-              <a:t>.    Scalability and Generalizability:</a:t>
-            </a:r>
-            <a:endParaRPr lang="en-US" sz="1100" dirty="0"/>
-          </a:p>
-          <a:p>
-            <a:pPr marL="228600" indent="-228600">
+            <a:pPr marL="171450" indent="-171450">
+              <a:lnSpc>
+                <a:spcPct val="107000"/>
+              </a:lnSpc>
+              <a:spcAft>
+                <a:spcPts val="800"/>
+              </a:spcAft>
               <a:buFont typeface="Arial" panose="020B0604020202020204" pitchFamily="34" charset="0"/>
               <a:buChar char="•"/>
             </a:pPr>
             <a:r>
-              <a:rPr lang="en-US" sz="1100" u="sng" dirty="0">
-                <a:solidFill>
-                  <a:srgbClr val="00B050"/>
-                </a:solidFill>
-              </a:rPr>
-              <a:t>Domain-Specific</a:t>
-            </a:r>
-            <a:r>
-              <a:rPr lang="en-US" sz="1100" dirty="0">
-                <a:solidFill>
-                  <a:srgbClr val="00B050"/>
-                </a:solidFill>
-              </a:rPr>
-              <a:t>: AI models may be overfitted to specific regions or conditions, limiting their generalizability.</a:t>
-            </a:r>
-          </a:p>
-          <a:p>
-            <a:endParaRPr lang="en-US" sz="1100" dirty="0">
-              <a:solidFill>
-                <a:srgbClr val="00B050"/>
-              </a:solidFill>
-            </a:endParaRPr>
-          </a:p>
-          <a:p>
-            <a:r>
-              <a:rPr lang="en-US" sz="1100" b="1" dirty="0"/>
-              <a:t>5.    </a:t>
-            </a:r>
-            <a:r>
-              <a:rPr lang="en-US" sz="1100" b="1" dirty="0">
-                <a:solidFill>
-                  <a:srgbClr val="C00000"/>
-                </a:solidFill>
-              </a:rPr>
-              <a:t>Ethical Considerations:</a:t>
-            </a:r>
-            <a:endParaRPr lang="en-US" sz="1100" dirty="0"/>
-          </a:p>
-          <a:p>
-            <a:pPr marL="228600" indent="-228600">
+              <a:rPr lang="en-IN" sz="1000" b="1" kern="100" dirty="0">
+                <a:solidFill>
+                  <a:srgbClr val="7030A0"/>
+                </a:solidFill>
+                <a:effectLst/>
+                <a:latin typeface="Calibri" panose="020F0502020204030204" pitchFamily="34" charset="0"/>
+                <a:ea typeface="Calibri" panose="020F0502020204030204" pitchFamily="34" charset="0"/>
+                <a:cs typeface="Times New Roman" panose="02020603050405020304" pitchFamily="18" charset="0"/>
+              </a:rPr>
+              <a:t>Computational Cost:</a:t>
+            </a:r>
+            <a:r>
+              <a:rPr lang="en-IN" sz="1000" kern="100" dirty="0">
+                <a:solidFill>
+                  <a:srgbClr val="7030A0"/>
+                </a:solidFill>
+                <a:effectLst/>
+                <a:latin typeface="Calibri" panose="020F0502020204030204" pitchFamily="34" charset="0"/>
+                <a:ea typeface="Calibri" panose="020F0502020204030204" pitchFamily="34" charset="0"/>
+                <a:cs typeface="Times New Roman" panose="02020603050405020304" pitchFamily="18" charset="0"/>
+              </a:rPr>
+              <a:t> Generating high-quality images with fine-grained control can be computationally expensive, limiting their practical applications.</a:t>
+            </a:r>
+          </a:p>
+          <a:p>
+            <a:pPr marL="171450" indent="-171450">
+              <a:lnSpc>
+                <a:spcPct val="107000"/>
+              </a:lnSpc>
+              <a:spcAft>
+                <a:spcPts val="800"/>
+              </a:spcAft>
               <a:buFont typeface="Arial" panose="020B0604020202020204" pitchFamily="34" charset="0"/>
               <a:buChar char="•"/>
             </a:pPr>
             <a:r>
-              <a:rPr lang="en-US" sz="1100" u="sng" dirty="0">
-                <a:solidFill>
-                  <a:srgbClr val="00B050"/>
-                </a:solidFill>
-              </a:rPr>
-              <a:t>Privacy Concerns</a:t>
-            </a:r>
-            <a:r>
-              <a:rPr lang="en-US" sz="1100" dirty="0">
-                <a:solidFill>
-                  <a:srgbClr val="00B050"/>
-                </a:solidFill>
-              </a:rPr>
-              <a:t>: Data collection and usage must adhere to strict privacy regulations.</a:t>
+              <a:rPr lang="en-IN" sz="1000" b="1" kern="100" dirty="0">
+                <a:solidFill>
+                  <a:srgbClr val="7030A0"/>
+                </a:solidFill>
+                <a:effectLst/>
+                <a:latin typeface="Calibri" panose="020F0502020204030204" pitchFamily="34" charset="0"/>
+                <a:ea typeface="Calibri" panose="020F0502020204030204" pitchFamily="34" charset="0"/>
+                <a:cs typeface="Times New Roman" panose="02020603050405020304" pitchFamily="18" charset="0"/>
+              </a:rPr>
+              <a:t>Sampling Speed:</a:t>
+            </a:r>
+            <a:r>
+              <a:rPr lang="en-IN" sz="1000" kern="100" dirty="0">
+                <a:solidFill>
+                  <a:srgbClr val="7030A0"/>
+                </a:solidFill>
+                <a:effectLst/>
+                <a:latin typeface="Calibri" panose="020F0502020204030204" pitchFamily="34" charset="0"/>
+                <a:ea typeface="Calibri" panose="020F0502020204030204" pitchFamily="34" charset="0"/>
+                <a:cs typeface="Times New Roman" panose="02020603050405020304" pitchFamily="18" charset="0"/>
+              </a:rPr>
+              <a:t> Improving the speed of the sampling process is essential for real-time or interactive applications.</a:t>
+            </a:r>
+          </a:p>
+          <a:p>
+            <a:pPr>
+              <a:lnSpc>
+                <a:spcPct val="107000"/>
+              </a:lnSpc>
+              <a:spcAft>
+                <a:spcPts val="800"/>
+              </a:spcAft>
+            </a:pPr>
+            <a:r>
+              <a:rPr lang="en-IN" sz="1000" b="1" kern="100" dirty="0">
+                <a:solidFill>
+                  <a:srgbClr val="FF0000"/>
+                </a:solidFill>
+                <a:effectLst/>
+                <a:latin typeface="Calibri" panose="020F0502020204030204" pitchFamily="34" charset="0"/>
+                <a:ea typeface="Calibri" panose="020F0502020204030204" pitchFamily="34" charset="0"/>
+                <a:cs typeface="Times New Roman" panose="02020603050405020304" pitchFamily="18" charset="0"/>
+              </a:rPr>
+              <a:t>4. Quality and Realism:</a:t>
+            </a:r>
+            <a:endParaRPr lang="en-IN" sz="1000" kern="100" dirty="0">
+              <a:solidFill>
+                <a:srgbClr val="FF0000"/>
+              </a:solidFill>
+              <a:effectLst/>
+              <a:latin typeface="Calibri" panose="020F0502020204030204" pitchFamily="34" charset="0"/>
+              <a:ea typeface="Calibri" panose="020F0502020204030204" pitchFamily="34" charset="0"/>
+              <a:cs typeface="Times New Roman" panose="02020603050405020304" pitchFamily="18" charset="0"/>
+            </a:endParaRPr>
+          </a:p>
+          <a:p>
+            <a:pPr marL="171450" indent="-171450">
+              <a:lnSpc>
+                <a:spcPct val="107000"/>
+              </a:lnSpc>
+              <a:spcAft>
+                <a:spcPts val="800"/>
+              </a:spcAft>
+              <a:buFont typeface="Arial" panose="020B0604020202020204" pitchFamily="34" charset="0"/>
+              <a:buChar char="•"/>
+            </a:pPr>
+            <a:r>
+              <a:rPr lang="en-IN" sz="1000" b="1" kern="100" dirty="0">
+                <a:solidFill>
+                  <a:srgbClr val="7030A0"/>
+                </a:solidFill>
+                <a:effectLst/>
+                <a:latin typeface="Calibri" panose="020F0502020204030204" pitchFamily="34" charset="0"/>
+                <a:ea typeface="Calibri" panose="020F0502020204030204" pitchFamily="34" charset="0"/>
+                <a:cs typeface="Times New Roman" panose="02020603050405020304" pitchFamily="18" charset="0"/>
+              </a:rPr>
+              <a:t>Artifact Reduction:</a:t>
+            </a:r>
+            <a:r>
+              <a:rPr lang="en-IN" sz="1000" kern="100" dirty="0">
+                <a:solidFill>
+                  <a:srgbClr val="7030A0"/>
+                </a:solidFill>
+                <a:effectLst/>
+                <a:latin typeface="Calibri" panose="020F0502020204030204" pitchFamily="34" charset="0"/>
+                <a:ea typeface="Calibri" panose="020F0502020204030204" pitchFamily="34" charset="0"/>
+                <a:cs typeface="Times New Roman" panose="02020603050405020304" pitchFamily="18" charset="0"/>
+              </a:rPr>
+              <a:t> Reducing artifacts and noise in the generated images, especially when performing complex manipulations, remains an ongoing challenge.</a:t>
+            </a:r>
+          </a:p>
+          <a:p>
+            <a:pPr marL="171450" indent="-171450">
+              <a:lnSpc>
+                <a:spcPct val="107000"/>
+              </a:lnSpc>
+              <a:spcAft>
+                <a:spcPts val="800"/>
+              </a:spcAft>
+              <a:buFont typeface="Arial" panose="020B0604020202020204" pitchFamily="34" charset="0"/>
+              <a:buChar char="•"/>
+            </a:pPr>
+            <a:r>
+              <a:rPr lang="en-IN" sz="1000" b="1" kern="100" dirty="0">
+                <a:solidFill>
+                  <a:srgbClr val="7030A0"/>
+                </a:solidFill>
+                <a:effectLst/>
+                <a:latin typeface="Calibri" panose="020F0502020204030204" pitchFamily="34" charset="0"/>
+                <a:ea typeface="Calibri" panose="020F0502020204030204" pitchFamily="34" charset="0"/>
+                <a:cs typeface="Times New Roman" panose="02020603050405020304" pitchFamily="18" charset="0"/>
+              </a:rPr>
+              <a:t>Photorealism:</a:t>
+            </a:r>
+            <a:r>
+              <a:rPr lang="en-IN" sz="1000" kern="100" dirty="0">
+                <a:solidFill>
+                  <a:srgbClr val="7030A0"/>
+                </a:solidFill>
+                <a:effectLst/>
+                <a:latin typeface="Calibri" panose="020F0502020204030204" pitchFamily="34" charset="0"/>
+                <a:ea typeface="Calibri" panose="020F0502020204030204" pitchFamily="34" charset="0"/>
+                <a:cs typeface="Times New Roman" panose="02020603050405020304" pitchFamily="18" charset="0"/>
+              </a:rPr>
+              <a:t> Achieving photorealistic quality, particularly for complex scenes or objects, is still a demanding task.</a:t>
             </a:r>
           </a:p>
           <a:p>
@@ -2291,7 +2474,7 @@
         <p:spPr>
           <a:xfrm>
             <a:off x="4724400" y="514350"/>
-            <a:ext cx="4191000" cy="4108817"/>
+            <a:ext cx="4191000" cy="3692934"/>
           </a:xfrm>
           <a:prstGeom prst="rect">
             <a:avLst/>
@@ -2304,267 +2487,146 @@
           </a:bodyPr>
           <a:lstStyle/>
           <a:p>
-            <a:r>
-              <a:rPr lang="en-US" sz="1000" b="1" dirty="0">
+            <a:pPr marL="342900" lvl="0" indent="-342900">
+              <a:lnSpc>
+                <a:spcPct val="107000"/>
+              </a:lnSpc>
+              <a:buFont typeface="Symbol" panose="05050102010706020507" pitchFamily="18" charset="2"/>
+              <a:buChar char=""/>
+            </a:pPr>
+            <a:r>
+              <a:rPr lang="en-IN" sz="1200" b="1" kern="100" dirty="0">
                 <a:solidFill>
                   <a:srgbClr val="FF0000"/>
                 </a:solidFill>
-              </a:rPr>
-              <a:t>1.Data Augmentation and Synthesis:</a:t>
-            </a:r>
-          </a:p>
-          <a:p>
-            <a:endParaRPr lang="en-US" sz="900" dirty="0"/>
-          </a:p>
-          <a:p>
-            <a:pPr marL="171450" indent="-171450">
-              <a:buFont typeface="Arial" panose="020B0604020202020204" pitchFamily="34" charset="0"/>
-              <a:buChar char="•"/>
+                <a:effectLst/>
+                <a:latin typeface="Calibri" panose="020F0502020204030204" pitchFamily="34" charset="0"/>
+                <a:ea typeface="Calibri" panose="020F0502020204030204" pitchFamily="34" charset="0"/>
+                <a:cs typeface="Times New Roman" panose="02020603050405020304" pitchFamily="18" charset="0"/>
+              </a:rPr>
+              <a:t>Finer Control:</a:t>
+            </a:r>
+            <a:r>
+              <a:rPr lang="en-IN" sz="1200" kern="100" dirty="0">
+                <a:solidFill>
+                  <a:srgbClr val="7030A0"/>
+                </a:solidFill>
+                <a:effectLst/>
+                <a:latin typeface="Calibri" panose="020F0502020204030204" pitchFamily="34" charset="0"/>
+                <a:ea typeface="Calibri" panose="020F0502020204030204" pitchFamily="34" charset="0"/>
+                <a:cs typeface="Times New Roman" panose="02020603050405020304" pitchFamily="18" charset="0"/>
+              </a:rPr>
+              <a:t> FGD introduces a new mechanism to control the generation process by applying filters to the guidance signal. This enables more precise control over the frequency content and strength of the guidance, leading to more accurate and visually appealing results.</a:t>
+            </a:r>
+          </a:p>
+          <a:p>
+            <a:pPr marL="342900" lvl="0" indent="-342900">
+              <a:lnSpc>
+                <a:spcPct val="107000"/>
+              </a:lnSpc>
+              <a:buFont typeface="Symbol" panose="05050102010706020507" pitchFamily="18" charset="2"/>
+              <a:buChar char=""/>
             </a:pPr>
             <a:r>
-              <a:rPr lang="en-US" sz="900" u="sng" dirty="0">
+              <a:rPr lang="en-IN" sz="1200" b="1" kern="100" dirty="0">
+                <a:solidFill>
+                  <a:srgbClr val="FF0000"/>
+                </a:solidFill>
+                <a:effectLst/>
+                <a:latin typeface="Calibri" panose="020F0502020204030204" pitchFamily="34" charset="0"/>
+                <a:ea typeface="Calibri" panose="020F0502020204030204" pitchFamily="34" charset="0"/>
+                <a:cs typeface="Times New Roman" panose="02020603050405020304" pitchFamily="18" charset="0"/>
+              </a:rPr>
+              <a:t>Efficiency:</a:t>
+            </a:r>
+            <a:r>
+              <a:rPr lang="en-IN" sz="1200" kern="100" dirty="0">
                 <a:solidFill>
                   <a:srgbClr val="7030A0"/>
                 </a:solidFill>
-              </a:rPr>
-              <a:t>Generating New Data:</a:t>
-            </a:r>
-            <a:r>
-              <a:rPr lang="en-US" sz="900" dirty="0">
+                <a:effectLst/>
+                <a:latin typeface="Calibri" panose="020F0502020204030204" pitchFamily="34" charset="0"/>
+                <a:ea typeface="Calibri" panose="020F0502020204030204" pitchFamily="34" charset="0"/>
+                <a:cs typeface="Times New Roman" panose="02020603050405020304" pitchFamily="18" charset="0"/>
+              </a:rPr>
+              <a:t> FGD is computationally efficient, as it relies on fast filtering operations rather than complex neural network architectures. This makes it practical for real-time applications and large-scale image generation tasks.</a:t>
+            </a:r>
+          </a:p>
+          <a:p>
+            <a:pPr marL="342900" lvl="0" indent="-342900">
+              <a:lnSpc>
+                <a:spcPct val="107000"/>
+              </a:lnSpc>
+              <a:buFont typeface="Symbol" panose="05050102010706020507" pitchFamily="18" charset="2"/>
+              <a:buChar char=""/>
+            </a:pPr>
+            <a:r>
+              <a:rPr lang="en-IN" sz="1200" b="1" kern="100" dirty="0">
+                <a:solidFill>
+                  <a:srgbClr val="FF0000"/>
+                </a:solidFill>
+                <a:effectLst/>
+                <a:latin typeface="Calibri" panose="020F0502020204030204" pitchFamily="34" charset="0"/>
+                <a:ea typeface="Calibri" panose="020F0502020204030204" pitchFamily="34" charset="0"/>
+                <a:cs typeface="Times New Roman" panose="02020603050405020304" pitchFamily="18" charset="0"/>
+              </a:rPr>
+              <a:t>Flexibility:</a:t>
+            </a:r>
+            <a:r>
+              <a:rPr lang="en-IN" sz="1200" kern="100" dirty="0">
                 <a:solidFill>
                   <a:srgbClr val="7030A0"/>
                 </a:solidFill>
-              </a:rPr>
-              <a:t> Creating synthetic data can supplement real-world data, improving model performance.</a:t>
-            </a:r>
-          </a:p>
-          <a:p>
-            <a:pPr marL="171450" indent="-171450">
-              <a:buFont typeface="Arial" panose="020B0604020202020204" pitchFamily="34" charset="0"/>
-              <a:buChar char="•"/>
+                <a:effectLst/>
+                <a:latin typeface="Calibri" panose="020F0502020204030204" pitchFamily="34" charset="0"/>
+                <a:ea typeface="Calibri" panose="020F0502020204030204" pitchFamily="34" charset="0"/>
+                <a:cs typeface="Times New Roman" panose="02020603050405020304" pitchFamily="18" charset="0"/>
+              </a:rPr>
+              <a:t> FGD is compatible with various sampling methods, allowing users to choose the best approach for their specific needs. This flexibility makes it applicable to a wide range of image generation scenarios.</a:t>
+            </a:r>
+          </a:p>
+          <a:p>
+            <a:pPr marL="342900" lvl="0" indent="-342900">
+              <a:lnSpc>
+                <a:spcPct val="107000"/>
+              </a:lnSpc>
+              <a:spcAft>
+                <a:spcPts val="800"/>
+              </a:spcAft>
+              <a:buFont typeface="Symbol" panose="05050102010706020507" pitchFamily="18" charset="2"/>
+              <a:buChar char=""/>
             </a:pPr>
             <a:r>
-              <a:rPr lang="en-US" sz="900" u="sng" dirty="0">
+              <a:rPr lang="en-IN" sz="1200" b="1" kern="100" dirty="0">
+                <a:solidFill>
+                  <a:srgbClr val="FF0000"/>
+                </a:solidFill>
+                <a:effectLst/>
+                <a:latin typeface="Calibri" panose="020F0502020204030204" pitchFamily="34" charset="0"/>
+                <a:ea typeface="Calibri" panose="020F0502020204030204" pitchFamily="34" charset="0"/>
+                <a:cs typeface="Times New Roman" panose="02020603050405020304" pitchFamily="18" charset="0"/>
+              </a:rPr>
+              <a:t>Improved Quality:</a:t>
+            </a:r>
+            <a:r>
+              <a:rPr lang="en-IN" sz="1200" kern="100" dirty="0">
                 <a:solidFill>
                   <a:srgbClr val="7030A0"/>
                 </a:solidFill>
-              </a:rPr>
-              <a:t>Data Quality Enhancement</a:t>
-            </a:r>
-            <a:r>
-              <a:rPr lang="en-US" sz="900" dirty="0">
-                <a:solidFill>
-                  <a:srgbClr val="7030A0"/>
-                </a:solidFill>
-              </a:rPr>
-              <a:t>: Techniques like image enhancement and noise reduction can improve data quality.</a:t>
-            </a:r>
-          </a:p>
-          <a:p>
-            <a:r>
-              <a:rPr lang="en-US" sz="1000" b="1" dirty="0">
-                <a:solidFill>
-                  <a:srgbClr val="FF0000"/>
-                </a:solidFill>
-              </a:rPr>
-              <a:t>2.Efficient Model Architectures:</a:t>
-            </a:r>
-          </a:p>
-          <a:p>
-            <a:endParaRPr lang="en-US" sz="900" dirty="0"/>
-          </a:p>
-          <a:p>
-            <a:pPr marL="171450" indent="-171450">
-              <a:buFont typeface="Arial" panose="020B0604020202020204" pitchFamily="34" charset="0"/>
-              <a:buChar char="•"/>
-            </a:pPr>
-            <a:r>
-              <a:rPr lang="en-US" sz="900" u="sng" dirty="0">
-                <a:solidFill>
-                  <a:srgbClr val="7030A0"/>
-                </a:solidFill>
-              </a:rPr>
-              <a:t>Lightweight Models</a:t>
-            </a:r>
-            <a:r>
-              <a:rPr lang="en-US" sz="900" dirty="0">
-                <a:solidFill>
-                  <a:srgbClr val="7030A0"/>
-                </a:solidFill>
-              </a:rPr>
-              <a:t>: Developing smaller, more efficient models can reduce computational costs.</a:t>
-            </a:r>
-          </a:p>
-          <a:p>
-            <a:pPr marL="171450" indent="-171450">
-              <a:buFont typeface="Arial" panose="020B0604020202020204" pitchFamily="34" charset="0"/>
-              <a:buChar char="•"/>
-            </a:pPr>
-            <a:r>
-              <a:rPr lang="en-US" sz="900" u="sng" dirty="0">
-                <a:solidFill>
-                  <a:srgbClr val="7030A0"/>
-                </a:solidFill>
-              </a:rPr>
-              <a:t>Transfer Learning</a:t>
-            </a:r>
-            <a:r>
-              <a:rPr lang="en-US" sz="900" dirty="0">
-                <a:solidFill>
-                  <a:srgbClr val="7030A0"/>
-                </a:solidFill>
-              </a:rPr>
-              <a:t>: Leveraging pre-trained models can accelerate training and reduce resource requirements.</a:t>
-            </a:r>
-          </a:p>
-          <a:p>
-            <a:r>
-              <a:rPr lang="en-US" sz="1000" b="1" dirty="0">
-                <a:solidFill>
-                  <a:srgbClr val="FF0000"/>
-                </a:solidFill>
-              </a:rPr>
-              <a:t>3.Explainable AI:</a:t>
-            </a:r>
-          </a:p>
-          <a:p>
-            <a:endParaRPr lang="en-US" sz="900" dirty="0"/>
-          </a:p>
-          <a:p>
-            <a:pPr marL="171450" indent="-171450">
-              <a:buFont typeface="Arial" panose="020B0604020202020204" pitchFamily="34" charset="0"/>
-              <a:buChar char="•"/>
-            </a:pPr>
-            <a:r>
-              <a:rPr lang="en-US" sz="900" u="sng" dirty="0">
-                <a:solidFill>
-                  <a:srgbClr val="7030A0"/>
-                </a:solidFill>
-              </a:rPr>
-              <a:t>Feature Importance Analysis</a:t>
-            </a:r>
-            <a:r>
-              <a:rPr lang="en-US" sz="900" dirty="0">
-                <a:solidFill>
-                  <a:srgbClr val="7030A0"/>
-                </a:solidFill>
-              </a:rPr>
-              <a:t>: Identifying the most influential features can help understand model decisions.</a:t>
-            </a:r>
-          </a:p>
-          <a:p>
-            <a:pPr marL="171450" indent="-171450">
-              <a:buFont typeface="Arial" panose="020B0604020202020204" pitchFamily="34" charset="0"/>
-              <a:buChar char="•"/>
-            </a:pPr>
-            <a:r>
-              <a:rPr lang="en-US" sz="900" u="sng" dirty="0">
-                <a:solidFill>
-                  <a:srgbClr val="7030A0"/>
-                </a:solidFill>
-              </a:rPr>
-              <a:t>Visualization Techniques</a:t>
-            </a:r>
-            <a:r>
-              <a:rPr lang="en-US" sz="900" dirty="0">
-                <a:solidFill>
-                  <a:srgbClr val="7030A0"/>
-                </a:solidFill>
-              </a:rPr>
-              <a:t>: Visualizing model outputs can make them more interpretable.</a:t>
-            </a:r>
-          </a:p>
-          <a:p>
-            <a:r>
-              <a:rPr lang="en-US" sz="1000" b="1" dirty="0">
-                <a:solidFill>
-                  <a:srgbClr val="FF0000"/>
-                </a:solidFill>
-              </a:rPr>
-              <a:t>4.Domain Adaptation:</a:t>
-            </a:r>
-          </a:p>
-          <a:p>
-            <a:endParaRPr lang="en-US" sz="900" dirty="0"/>
-          </a:p>
-          <a:p>
-            <a:pPr marL="171450" indent="-171450">
-              <a:buFont typeface="Arial" panose="020B0604020202020204" pitchFamily="34" charset="0"/>
-              <a:buChar char="•"/>
-            </a:pPr>
-            <a:r>
-              <a:rPr lang="en-US" sz="900" u="sng" dirty="0">
-                <a:solidFill>
-                  <a:srgbClr val="7030A0"/>
-                </a:solidFill>
-              </a:rPr>
-              <a:t>Transferring Knowledge</a:t>
-            </a:r>
-            <a:r>
-              <a:rPr lang="en-US" sz="900" dirty="0">
-                <a:solidFill>
-                  <a:srgbClr val="7030A0"/>
-                </a:solidFill>
-              </a:rPr>
-              <a:t>: Adapting models to new domains can improve their generalizability.</a:t>
-            </a:r>
-          </a:p>
-          <a:p>
-            <a:pPr marL="171450" indent="-171450">
-              <a:buFont typeface="Arial" panose="020B0604020202020204" pitchFamily="34" charset="0"/>
-              <a:buChar char="•"/>
-            </a:pPr>
-            <a:r>
-              <a:rPr lang="en-US" sz="900" u="sng" dirty="0">
-                <a:solidFill>
-                  <a:srgbClr val="7030A0"/>
-                </a:solidFill>
-              </a:rPr>
-              <a:t>Domain-Specific Features</a:t>
-            </a:r>
-            <a:r>
-              <a:rPr lang="en-US" sz="900" dirty="0">
-                <a:solidFill>
-                  <a:srgbClr val="7030A0"/>
-                </a:solidFill>
-              </a:rPr>
-              <a:t>: Incorporating domain-specific features can enhance model performance.</a:t>
-            </a:r>
-          </a:p>
-          <a:p>
-            <a:r>
-              <a:rPr lang="en-US" sz="1000" b="1" dirty="0">
-                <a:solidFill>
-                  <a:srgbClr val="FF0000"/>
-                </a:solidFill>
-              </a:rPr>
-              <a:t>5.Ethical Frameworks:</a:t>
-            </a:r>
-          </a:p>
-          <a:p>
-            <a:endParaRPr lang="en-US" sz="900" dirty="0"/>
-          </a:p>
-          <a:p>
-            <a:pPr marL="171450" indent="-171450">
-              <a:buFont typeface="Arial" panose="020B0604020202020204" pitchFamily="34" charset="0"/>
-              <a:buChar char="•"/>
-            </a:pPr>
-            <a:r>
-              <a:rPr lang="en-US" sz="900" u="sng" dirty="0">
-                <a:solidFill>
-                  <a:srgbClr val="7030A0"/>
-                </a:solidFill>
-              </a:rPr>
-              <a:t>Privacy-Preserving Techniques</a:t>
-            </a:r>
-            <a:r>
-              <a:rPr lang="en-US" sz="900" dirty="0">
-                <a:solidFill>
-                  <a:srgbClr val="7030A0"/>
-                </a:solidFill>
-              </a:rPr>
-              <a:t>: Using techniques like differential privacy to protect sensitive data.</a:t>
-            </a:r>
+                <a:effectLst/>
+                <a:latin typeface="Calibri" panose="020F0502020204030204" pitchFamily="34" charset="0"/>
+                <a:ea typeface="Calibri" panose="020F0502020204030204" pitchFamily="34" charset="0"/>
+                <a:cs typeface="Times New Roman" panose="02020603050405020304" pitchFamily="18" charset="0"/>
+              </a:rPr>
+              <a:t> FGD consistently outperforms existing methods in terms of structural and semantic metrics, demonstrating its ability to generate high-quality images with better control over their content.</a:t>
+            </a:r>
+          </a:p>
+          <a:p>
+            <a:endParaRPr lang="en-US" sz="900" dirty="0">
+              <a:solidFill>
+                <a:srgbClr val="7030A0"/>
+              </a:solidFill>
+            </a:endParaRPr>
           </a:p>
         </p:txBody>
       </p:sp>
